--- a/Homework/15-Interactive-Visualizations-and-Dashboards/belly_button_DOMAICA/README.pptx
+++ b/Homework/15-Interactive-Visualizations-and-Dashboards/belly_button_DOMAICA/README.pptx
@@ -1769,15 +1769,7 @@
           <a:p>
             <a:r>
               <a:rPr lang="en-US" dirty="0"/>
-              <a:t>Dropdown selection </a:t>
-            </a:r>
-            <a:r>
-              <a:rPr lang="en-US" dirty="0" err="1"/>
-              <a:t>ato</a:t>
-            </a:r>
-            <a:r>
-              <a:rPr lang="en-US" dirty="0"/>
-              <a:t> change input and selected data</a:t>
+              <a:t>Dropdown selection to change input and selected data</a:t>
             </a:r>
             <a:endParaRPr lang="es-ES" dirty="0"/>
           </a:p>
@@ -1915,7 +1907,19 @@
               <a:rPr lang="en-US" dirty="0">
                 <a:sym typeface="Wingdings" panose="05000000000000000000" pitchFamily="2" charset="2"/>
               </a:rPr>
-              <a:t>lower part with bubble chart </a:t>
+              <a:t>lower part of </a:t>
+            </a:r>
+            <a:r>
+              <a:rPr lang="en-US">
+                <a:sym typeface="Wingdings" panose="05000000000000000000" pitchFamily="2" charset="2"/>
+              </a:rPr>
+              <a:t>webpage containing </a:t>
+            </a:r>
+            <a:r>
+              <a:rPr lang="en-US" dirty="0">
+                <a:sym typeface="Wingdings" panose="05000000000000000000" pitchFamily="2" charset="2"/>
+              </a:rPr>
+              <a:t>bubble chart </a:t>
             </a:r>
             <a:endParaRPr lang="es-ES" dirty="0"/>
           </a:p>
